--- a/.slides/topics/12_anova.pptx
+++ b/.slides/topics/12_anova.pptx
@@ -16,9 +16,11 @@
     <p:sldId id="264" r:id="rId10"/>
     <p:sldId id="265" r:id="rId11"/>
     <p:sldId id="266" r:id="rId12"/>
-    <p:sldId id="267" r:id="rId13"/>
-    <p:sldId id="268" r:id="rId14"/>
-    <p:sldId id="269" r:id="rId15"/>
+    <p:sldId id="272" r:id="rId13"/>
+    <p:sldId id="267" r:id="rId14"/>
+    <p:sldId id="268" r:id="rId15"/>
+    <p:sldId id="269" r:id="rId16"/>
+    <p:sldId id="271" r:id="rId17"/>
   </p:sldIdLst>
   <p:sldSz cx="12192000" cy="6858000"/>
   <p:notesSz cx="6858000" cy="9144000"/>
@@ -3484,6 +3486,53 @@
           </a:p>
         </p:txBody>
       </p:sp>
+      <p:pic>
+        <p:nvPicPr>
+          <p:cNvPr id="1026" name="Picture 2">
+            <a:extLst>
+              <a:ext uri="{FF2B5EF4-FFF2-40B4-BE49-F238E27FC236}">
+                <a16:creationId xmlns:a16="http://schemas.microsoft.com/office/drawing/2014/main" id="{A61DD96A-171F-E9DC-16B6-168418860AC4}"/>
+              </a:ext>
+            </a:extLst>
+          </p:cNvPr>
+          <p:cNvPicPr>
+            <a:picLocks noChangeAspect="1" noChangeArrowheads="1"/>
+          </p:cNvPicPr>
+          <p:nvPr/>
+        </p:nvPicPr>
+        <p:blipFill>
+          <a:blip r:embed="rId3">
+            <a:extLst>
+              <a:ext uri="{28A0092B-C50C-407E-A947-70E740481C1C}">
+                <a14:useLocalDpi xmlns:a14="http://schemas.microsoft.com/office/drawing/2010/main" val="0"/>
+              </a:ext>
+            </a:extLst>
+          </a:blip>
+          <a:srcRect/>
+          <a:stretch>
+            <a:fillRect/>
+          </a:stretch>
+        </p:blipFill>
+        <p:spPr bwMode="auto">
+          <a:xfrm>
+            <a:off x="8248372" y="301718"/>
+            <a:ext cx="3600000" cy="2400000"/>
+          </a:xfrm>
+          <a:prstGeom prst="rect">
+            <a:avLst/>
+          </a:prstGeom>
+          <a:noFill/>
+          <a:extLst>
+            <a:ext uri="{909E8E84-426E-40DD-AFC4-6F175D3DCCD1}">
+              <a14:hiddenFill xmlns:a14="http://schemas.microsoft.com/office/drawing/2010/main">
+                <a:solidFill>
+                  <a:srgbClr val="FFFFFF"/>
+                </a:solidFill>
+              </a14:hiddenFill>
+            </a:ext>
+          </a:extLst>
+        </p:spPr>
+      </p:pic>
     </p:spTree>
   </p:cSld>
   <p:clrMapOvr>
@@ -3555,36 +3604,92 @@
             <p:ph idx="1"/>
           </p:nvPr>
         </p:nvSpPr>
-        <p:spPr/>
-        <p:txBody>
-          <a:bodyPr/>
-          <a:lstStyle/>
-          <a:p>
-            <a:pPr lvl="0"/>
-            <a:r>
+        <p:spPr>
+          <a:xfrm>
+            <a:off x="838200" y="1825625"/>
+            <a:ext cx="5620352" cy="4351338"/>
+          </a:xfrm>
+        </p:spPr>
+        <p:txBody>
+          <a:bodyPr/>
+          <a:lstStyle/>
+          <a:p>
+            <a:pPr lvl="0"/>
+            <a:r>
+              <a:rPr dirty="0"/>
               <a:t>Classic visualization: boxplot by factor levels</a:t>
             </a:r>
           </a:p>
           <a:p>
             <a:pPr lvl="0"/>
             <a:r>
+              <a:rPr dirty="0"/>
               <a:t>Show central tendency separately for each group</a:t>
             </a:r>
           </a:p>
           <a:p>
             <a:pPr lvl="0"/>
             <a:r>
+              <a:rPr dirty="0"/>
               <a:t>Add raw data points over box summaries</a:t>
             </a:r>
           </a:p>
           <a:p>
             <a:pPr lvl="0"/>
             <a:r>
+              <a:rPr dirty="0"/>
               <a:t>Include reference line for grand mean</a:t>
             </a:r>
           </a:p>
         </p:txBody>
       </p:sp>
+      <p:pic>
+        <p:nvPicPr>
+          <p:cNvPr id="3074" name="Picture 2">
+            <a:extLst>
+              <a:ext uri="{FF2B5EF4-FFF2-40B4-BE49-F238E27FC236}">
+                <a16:creationId xmlns:a16="http://schemas.microsoft.com/office/drawing/2014/main" id="{A7814B2D-58F3-39B5-BBF8-8C692B035AE3}"/>
+              </a:ext>
+            </a:extLst>
+          </p:cNvPr>
+          <p:cNvPicPr>
+            <a:picLocks noChangeAspect="1" noChangeArrowheads="1"/>
+          </p:cNvPicPr>
+          <p:nvPr/>
+        </p:nvPicPr>
+        <p:blipFill>
+          <a:blip r:embed="rId2">
+            <a:extLst>
+              <a:ext uri="{28A0092B-C50C-407E-A947-70E740481C1C}">
+                <a14:useLocalDpi xmlns:a14="http://schemas.microsoft.com/office/drawing/2010/main" val="0"/>
+              </a:ext>
+            </a:extLst>
+          </a:blip>
+          <a:srcRect/>
+          <a:stretch>
+            <a:fillRect/>
+          </a:stretch>
+        </p:blipFill>
+        <p:spPr bwMode="auto">
+          <a:xfrm>
+            <a:off x="6795436" y="1825625"/>
+            <a:ext cx="4986688" cy="3561920"/>
+          </a:xfrm>
+          <a:prstGeom prst="rect">
+            <a:avLst/>
+          </a:prstGeom>
+          <a:noFill/>
+          <a:extLst>
+            <a:ext uri="{909E8E84-426E-40DD-AFC4-6F175D3DCCD1}">
+              <a14:hiddenFill xmlns:a14="http://schemas.microsoft.com/office/drawing/2010/main">
+                <a:solidFill>
+                  <a:srgbClr val="FFFFFF"/>
+                </a:solidFill>
+              </a14:hiddenFill>
+            </a:ext>
+          </a:extLst>
+        </p:spPr>
+      </p:pic>
     </p:spTree>
   </p:cSld>
   <p:clrMapOvr>
@@ -3711,83 +3816,102 @@
           <a:chExt cx="0" cy="0"/>
         </a:xfrm>
       </p:grpSpPr>
-      <p:sp>
-        <p:nvSpPr>
-          <p:cNvPr id="2" name="Title 1">
-            <a:extLst>
-              <a:ext uri="{FF2B5EF4-FFF2-40B4-BE49-F238E27FC236}">
-                <a16:creationId xmlns:a16="http://schemas.microsoft.com/office/drawing/2014/main" id="{8525C2D7-E417-70EE-D336-6C2729628304}"/>
-              </a:ext>
-            </a:extLst>
-          </p:cNvPr>
-          <p:cNvSpPr>
-            <a:spLocks noGrp="1"/>
-          </p:cNvSpPr>
-          <p:nvPr>
-            <p:ph type="title"/>
-          </p:nvPr>
-        </p:nvSpPr>
-        <p:spPr/>
-        <p:txBody>
-          <a:bodyPr/>
-          <a:lstStyle/>
-          <a:p>
-            <a:pPr marL="0" lvl="0" indent="0">
-              <a:buNone/>
-            </a:pPr>
-            <a:r>
-              <a:t>Contrasts and Post Hoc Testing</a:t>
-            </a:r>
-          </a:p>
-        </p:txBody>
-      </p:sp>
-      <p:sp>
-        <p:nvSpPr>
-          <p:cNvPr id="3" name="Content Placeholder 2">
-            <a:extLst>
-              <a:ext uri="{FF2B5EF4-FFF2-40B4-BE49-F238E27FC236}">
-                <a16:creationId xmlns:a16="http://schemas.microsoft.com/office/drawing/2014/main" id="{51C3FE42-1672-993E-68F1-5E07C2E42057}"/>
-              </a:ext>
-            </a:extLst>
-          </p:cNvPr>
-          <p:cNvSpPr>
-            <a:spLocks noGrp="1"/>
-          </p:cNvSpPr>
-          <p:nvPr>
-            <p:ph idx="1"/>
-          </p:nvPr>
-        </p:nvSpPr>
-        <p:spPr/>
-        <p:txBody>
-          <a:bodyPr/>
-          <a:lstStyle/>
-          <a:p>
-            <a:pPr lvl="0"/>
-            <a:r>
-              <a:t>Set reference level with relevel() function</a:t>
-            </a:r>
-          </a:p>
-          <a:p>
-            <a:pPr lvl="0"/>
-            <a:r>
-              <a:t>Compare each factor level to reference</a:t>
-            </a:r>
-          </a:p>
-          <a:p>
-            <a:pPr lvl="0"/>
-            <a:r>
-              <a:t>Post hoc tests for all pairwise comparisons</a:t>
-            </a:r>
-          </a:p>
-          <a:p>
-            <a:pPr lvl="0"/>
-            <a:r>
-              <a:t>Bonferroni adjustment for multiple testing</a:t>
-            </a:r>
-          </a:p>
-        </p:txBody>
-      </p:sp>
+      <p:pic>
+        <p:nvPicPr>
+          <p:cNvPr id="3" name="Picture 2">
+            <a:extLst>
+              <a:ext uri="{FF2B5EF4-FFF2-40B4-BE49-F238E27FC236}">
+                <a16:creationId xmlns:a16="http://schemas.microsoft.com/office/drawing/2014/main" id="{5E868A1D-9D0A-26B3-96E7-E26068C87321}"/>
+              </a:ext>
+            </a:extLst>
+          </p:cNvPr>
+          <p:cNvPicPr>
+            <a:picLocks noChangeAspect="1"/>
+          </p:cNvPicPr>
+          <p:nvPr/>
+        </p:nvPicPr>
+        <p:blipFill>
+          <a:blip r:embed="rId2"/>
+          <a:stretch>
+            <a:fillRect/>
+          </a:stretch>
+        </p:blipFill>
+        <p:spPr>
+          <a:xfrm>
+            <a:off x="3255374" y="438832"/>
+            <a:ext cx="6658648" cy="6230593"/>
+          </a:xfrm>
+          <a:prstGeom prst="rect">
+            <a:avLst/>
+          </a:prstGeom>
+        </p:spPr>
+      </p:pic>
+      <p:pic>
+        <p:nvPicPr>
+          <p:cNvPr id="5" name="Picture 4">
+            <a:extLst>
+              <a:ext uri="{FF2B5EF4-FFF2-40B4-BE49-F238E27FC236}">
+                <a16:creationId xmlns:a16="http://schemas.microsoft.com/office/drawing/2014/main" id="{0891EB23-82B9-0E76-E89C-4D8F4E8ACCC8}"/>
+              </a:ext>
+            </a:extLst>
+          </p:cNvPr>
+          <p:cNvPicPr>
+            <a:picLocks noChangeAspect="1"/>
+          </p:cNvPicPr>
+          <p:nvPr/>
+        </p:nvPicPr>
+        <p:blipFill>
+          <a:blip r:embed="rId3"/>
+          <a:stretch>
+            <a:fillRect/>
+          </a:stretch>
+        </p:blipFill>
+        <p:spPr>
+          <a:xfrm>
+            <a:off x="129184" y="1633286"/>
+            <a:ext cx="2943636" cy="3591426"/>
+          </a:xfrm>
+          <a:prstGeom prst="rect">
+            <a:avLst/>
+          </a:prstGeom>
+        </p:spPr>
+      </p:pic>
+      <p:pic>
+        <p:nvPicPr>
+          <p:cNvPr id="7" name="Picture 6">
+            <a:extLst>
+              <a:ext uri="{FF2B5EF4-FFF2-40B4-BE49-F238E27FC236}">
+                <a16:creationId xmlns:a16="http://schemas.microsoft.com/office/drawing/2014/main" id="{F50D1170-5121-8936-D10E-664A00BE5C33}"/>
+              </a:ext>
+            </a:extLst>
+          </p:cNvPr>
+          <p:cNvPicPr>
+            <a:picLocks noChangeAspect="1"/>
+          </p:cNvPicPr>
+          <p:nvPr/>
+        </p:nvPicPr>
+        <p:blipFill>
+          <a:blip r:embed="rId4"/>
+          <a:stretch>
+            <a:fillRect/>
+          </a:stretch>
+        </p:blipFill>
+        <p:spPr>
+          <a:xfrm>
+            <a:off x="10096576" y="1875060"/>
+            <a:ext cx="1745312" cy="3107879"/>
+          </a:xfrm>
+          <a:prstGeom prst="rect">
+            <a:avLst/>
+          </a:prstGeom>
+        </p:spPr>
+      </p:pic>
     </p:spTree>
+    <p:extLst>
+      <p:ext uri="{BB962C8B-B14F-4D97-AF65-F5344CB8AC3E}">
+        <p14:creationId xmlns:p14="http://schemas.microsoft.com/office/powerpoint/2010/main" val="3613032634"/>
+      </p:ext>
+    </p:extLst>
   </p:cSld>
   <p:clrMapOvr>
     <a:masterClrMapping/>
@@ -3837,7 +3961,7 @@
               <a:buNone/>
             </a:pPr>
             <a:r>
-              <a:t>Multiple Comparison Methods</a:t>
+              <a:t>Contrasts and Post Hoc Testing</a:t>
             </a:r>
           </a:p>
         </p:txBody>
@@ -3865,25 +3989,25 @@
           <a:p>
             <a:pPr lvl="0"/>
             <a:r>
-              <a:t>Bonferroni adjustment: conservative, divides alpha by comparisons</a:t>
-            </a:r>
-          </a:p>
-          <a:p>
-            <a:pPr lvl="0"/>
-            <a:r>
-              <a:t>Tukey HSD: less conservative, ideal for 1-way ANOVA</a:t>
-            </a:r>
-          </a:p>
-          <a:p>
-            <a:pPr lvl="0"/>
-            <a:r>
-              <a:t>Both control Type I error rate across tests</a:t>
-            </a:r>
-          </a:p>
-          <a:p>
-            <a:pPr lvl="0"/>
-            <a:r>
-              <a:t>Choose based on research questions and context</a:t>
+              <a:t>Set reference level with relevel() function</a:t>
+            </a:r>
+          </a:p>
+          <a:p>
+            <a:pPr lvl="0"/>
+            <a:r>
+              <a:t>Compare each factor level to reference</a:t>
+            </a:r>
+          </a:p>
+          <a:p>
+            <a:pPr lvl="0"/>
+            <a:r>
+              <a:t>Post hoc tests for all pairwise comparisons</a:t>
+            </a:r>
+          </a:p>
+          <a:p>
+            <a:pPr lvl="0"/>
+            <a:r>
+              <a:t>Bonferroni adjustment for multiple testing</a:t>
             </a:r>
           </a:p>
         </p:txBody>
@@ -3938,6 +4062,107 @@
               <a:buNone/>
             </a:pPr>
             <a:r>
+              <a:t>Multiple Comparison Methods</a:t>
+            </a:r>
+          </a:p>
+        </p:txBody>
+      </p:sp>
+      <p:sp>
+        <p:nvSpPr>
+          <p:cNvPr id="3" name="Content Placeholder 2">
+            <a:extLst>
+              <a:ext uri="{FF2B5EF4-FFF2-40B4-BE49-F238E27FC236}">
+                <a16:creationId xmlns:a16="http://schemas.microsoft.com/office/drawing/2014/main" id="{51C3FE42-1672-993E-68F1-5E07C2E42057}"/>
+              </a:ext>
+            </a:extLst>
+          </p:cNvPr>
+          <p:cNvSpPr>
+            <a:spLocks noGrp="1"/>
+          </p:cNvSpPr>
+          <p:nvPr>
+            <p:ph idx="1"/>
+          </p:nvPr>
+        </p:nvSpPr>
+        <p:spPr/>
+        <p:txBody>
+          <a:bodyPr/>
+          <a:lstStyle/>
+          <a:p>
+            <a:pPr lvl="0"/>
+            <a:r>
+              <a:t>Bonferroni adjustment: conservative, divides alpha by comparisons</a:t>
+            </a:r>
+          </a:p>
+          <a:p>
+            <a:pPr lvl="0"/>
+            <a:r>
+              <a:t>Tukey HSD: less conservative, ideal for 1-way ANOVA</a:t>
+            </a:r>
+          </a:p>
+          <a:p>
+            <a:pPr lvl="0"/>
+            <a:r>
+              <a:t>Both control Type I error rate across tests</a:t>
+            </a:r>
+          </a:p>
+          <a:p>
+            <a:pPr lvl="0"/>
+            <a:r>
+              <a:t>Choose based on research questions and context</a:t>
+            </a:r>
+          </a:p>
+        </p:txBody>
+      </p:sp>
+    </p:spTree>
+  </p:cSld>
+  <p:clrMapOvr>
+    <a:masterClrMapping/>
+  </p:clrMapOvr>
+</p:sld>
+</file>
+
+<file path=ppt/slides/slide15.xml><?xml version="1.0" encoding="utf-8"?>
+<p:sld xmlns:a="http://schemas.openxmlformats.org/drawingml/2006/main" xmlns:r="http://schemas.openxmlformats.org/officeDocument/2006/relationships" xmlns:p="http://schemas.openxmlformats.org/presentationml/2006/main">
+  <p:cSld>
+    <p:spTree>
+      <p:nvGrpSpPr>
+        <p:cNvPr id="1" name=""/>
+        <p:cNvGrpSpPr/>
+        <p:nvPr/>
+      </p:nvGrpSpPr>
+      <p:grpSpPr>
+        <a:xfrm>
+          <a:off x="0" y="0"/>
+          <a:ext cx="0" cy="0"/>
+          <a:chOff x="0" y="0"/>
+          <a:chExt cx="0" cy="0"/>
+        </a:xfrm>
+      </p:grpSpPr>
+      <p:sp>
+        <p:nvSpPr>
+          <p:cNvPr id="2" name="Title 1">
+            <a:extLst>
+              <a:ext uri="{FF2B5EF4-FFF2-40B4-BE49-F238E27FC236}">
+                <a16:creationId xmlns:a16="http://schemas.microsoft.com/office/drawing/2014/main" id="{8525C2D7-E417-70EE-D336-6C2729628304}"/>
+              </a:ext>
+            </a:extLst>
+          </p:cNvPr>
+          <p:cNvSpPr>
+            <a:spLocks noGrp="1"/>
+          </p:cNvSpPr>
+          <p:nvPr>
+            <p:ph type="title"/>
+          </p:nvPr>
+        </p:nvSpPr>
+        <p:spPr/>
+        <p:txBody>
+          <a:bodyPr/>
+          <a:lstStyle/>
+          <a:p>
+            <a:pPr marL="0" lvl="0" indent="0">
+              <a:buNone/>
+            </a:pPr>
+            <a:r>
               <a:t>Non-parametric Alternative</a:t>
             </a:r>
           </a:p>
@@ -3989,6 +4214,97 @@
           </a:p>
         </p:txBody>
       </p:sp>
+    </p:spTree>
+  </p:cSld>
+  <p:clrMapOvr>
+    <a:masterClrMapping/>
+  </p:clrMapOvr>
+</p:sld>
+</file>
+
+<file path=ppt/slides/slide16.xml><?xml version="1.0" encoding="utf-8"?>
+<p:sld xmlns:a="http://schemas.openxmlformats.org/drawingml/2006/main" xmlns:r="http://schemas.openxmlformats.org/officeDocument/2006/relationships" xmlns:p="http://schemas.openxmlformats.org/presentationml/2006/main">
+  <p:cSld>
+    <p:spTree>
+      <p:nvGrpSpPr>
+        <p:cNvPr id="1" name=""/>
+        <p:cNvGrpSpPr/>
+        <p:nvPr/>
+      </p:nvGrpSpPr>
+      <p:grpSpPr>
+        <a:xfrm>
+          <a:off x="0" y="0"/>
+          <a:ext cx="0" cy="0"/>
+          <a:chOff x="0" y="0"/>
+          <a:chExt cx="0" cy="0"/>
+        </a:xfrm>
+      </p:grpSpPr>
+      <p:sp>
+        <p:nvSpPr>
+          <p:cNvPr id="2" name="Title 1">
+            <a:extLst>
+              <a:ext uri="{FF2B5EF4-FFF2-40B4-BE49-F238E27FC236}">
+                <a16:creationId xmlns:a16="http://schemas.microsoft.com/office/drawing/2014/main" id="{8525C2D7-E417-70EE-D336-6C2729628304}"/>
+              </a:ext>
+            </a:extLst>
+          </p:cNvPr>
+          <p:cNvSpPr>
+            <a:spLocks noGrp="1"/>
+          </p:cNvSpPr>
+          <p:nvPr>
+            <p:ph type="title"/>
+          </p:nvPr>
+        </p:nvSpPr>
+        <p:spPr/>
+        <p:txBody>
+          <a:bodyPr/>
+          <a:lstStyle/>
+          <a:p>
+            <a:pPr marL="0" lvl="0" indent="0">
+              <a:buNone/>
+            </a:pPr>
+            <a:r>
+              <a:t>Practice Exercises</a:t>
+            </a:r>
+          </a:p>
+        </p:txBody>
+      </p:sp>
+      <p:pic>
+        <p:nvPicPr>
+          <p:cNvPr id="6" name="Picture 5" descr="A cat sitting on a computer&#10;&#10;AI-generated content may be incorrect.">
+            <a:extLst>
+              <a:ext uri="{FF2B5EF4-FFF2-40B4-BE49-F238E27FC236}">
+                <a16:creationId xmlns:a16="http://schemas.microsoft.com/office/drawing/2014/main" id="{D2E0F507-A649-BEC3-934D-D62F9A7982A2}"/>
+              </a:ext>
+            </a:extLst>
+          </p:cNvPr>
+          <p:cNvPicPr>
+            <a:picLocks noChangeAspect="1"/>
+          </p:cNvPicPr>
+          <p:nvPr/>
+        </p:nvPicPr>
+        <p:blipFill>
+          <a:blip r:embed="rId2">
+            <a:extLst>
+              <a:ext uri="{28A0092B-C50C-407E-A947-70E740481C1C}">
+                <a14:useLocalDpi xmlns:a14="http://schemas.microsoft.com/office/drawing/2010/main" val="0"/>
+              </a:ext>
+            </a:extLst>
+          </a:blip>
+          <a:stretch>
+            <a:fillRect/>
+          </a:stretch>
+        </p:blipFill>
+        <p:spPr>
+          <a:xfrm>
+            <a:off x="2154453" y="1417320"/>
+            <a:ext cx="7883093" cy="5255395"/>
+          </a:xfrm>
+          <a:prstGeom prst="rect">
+            <a:avLst/>
+          </a:prstGeom>
+        </p:spPr>
+      </p:pic>
     </p:spTree>
   </p:cSld>
   <p:clrMapOvr>
@@ -4262,36 +4578,92 @@
             <p:ph idx="1"/>
           </p:nvPr>
         </p:nvSpPr>
-        <p:spPr/>
-        <p:txBody>
-          <a:bodyPr/>
-          <a:lstStyle/>
-          <a:p>
-            <a:pPr lvl="0"/>
-            <a:r>
+        <p:spPr>
+          <a:xfrm>
+            <a:off x="838200" y="1825625"/>
+            <a:ext cx="6294120" cy="4351338"/>
+          </a:xfrm>
+        </p:spPr>
+        <p:txBody>
+          <a:bodyPr/>
+          <a:lstStyle/>
+          <a:p>
+            <a:pPr lvl="0"/>
+            <a:r>
+              <a:rPr dirty="0"/>
               <a:t>One numeric continuous dependent variable</a:t>
             </a:r>
           </a:p>
           <a:p>
             <a:pPr lvl="0"/>
             <a:r>
+              <a:rPr dirty="0"/>
               <a:t>Factor with 2 or more levels (often with control)</a:t>
             </a:r>
           </a:p>
           <a:p>
             <a:pPr lvl="0"/>
             <a:r>
+              <a:rPr dirty="0"/>
               <a:t>When two levels: conceptually equivalent to t-test</a:t>
             </a:r>
           </a:p>
           <a:p>
             <a:pPr lvl="0"/>
             <a:r>
+              <a:rPr dirty="0"/>
               <a:t>Test overall difference in means between factor levels</a:t>
             </a:r>
           </a:p>
         </p:txBody>
       </p:sp>
+      <p:pic>
+        <p:nvPicPr>
+          <p:cNvPr id="2050" name="Picture 2">
+            <a:extLst>
+              <a:ext uri="{FF2B5EF4-FFF2-40B4-BE49-F238E27FC236}">
+                <a16:creationId xmlns:a16="http://schemas.microsoft.com/office/drawing/2014/main" id="{2261EE10-3D4E-E0B8-D71D-7418259849E4}"/>
+              </a:ext>
+            </a:extLst>
+          </p:cNvPr>
+          <p:cNvPicPr>
+            <a:picLocks noChangeAspect="1" noChangeArrowheads="1"/>
+          </p:cNvPicPr>
+          <p:nvPr/>
+        </p:nvPicPr>
+        <p:blipFill rotWithShape="1">
+          <a:blip r:embed="rId2">
+            <a:extLst>
+              <a:ext uri="{28A0092B-C50C-407E-A947-70E740481C1C}">
+                <a14:useLocalDpi xmlns:a14="http://schemas.microsoft.com/office/drawing/2010/main" val="0"/>
+              </a:ext>
+            </a:extLst>
+          </a:blip>
+          <a:srcRect t="11485"/>
+          <a:stretch>
+            <a:fillRect/>
+          </a:stretch>
+        </p:blipFill>
+        <p:spPr bwMode="auto">
+          <a:xfrm>
+            <a:off x="7012808" y="1953928"/>
+            <a:ext cx="4966563" cy="3140109"/>
+          </a:xfrm>
+          <a:prstGeom prst="rect">
+            <a:avLst/>
+          </a:prstGeom>
+          <a:noFill/>
+          <a:extLst>
+            <a:ext uri="{909E8E84-426E-40DD-AFC4-6F175D3DCCD1}">
+              <a14:hiddenFill xmlns:a14="http://schemas.microsoft.com/office/drawing/2010/main">
+                <a:solidFill>
+                  <a:srgbClr val="FFFFFF"/>
+                </a:solidFill>
+              </a14:hiddenFill>
+            </a:ext>
+          </a:extLst>
+        </p:spPr>
+      </p:pic>
     </p:spTree>
   </p:cSld>
   <p:clrMapOvr>
@@ -4494,6 +4866,36 @@
           </a:p>
         </p:txBody>
       </p:sp>
+      <p:pic>
+        <p:nvPicPr>
+          <p:cNvPr id="5" name="Picture 4">
+            <a:extLst>
+              <a:ext uri="{FF2B5EF4-FFF2-40B4-BE49-F238E27FC236}">
+                <a16:creationId xmlns:a16="http://schemas.microsoft.com/office/drawing/2014/main" id="{C05D2638-4386-1B0C-0B4B-6C2E1E56AC13}"/>
+              </a:ext>
+            </a:extLst>
+          </p:cNvPr>
+          <p:cNvPicPr>
+            <a:picLocks noChangeAspect="1"/>
+          </p:cNvPicPr>
+          <p:nvPr/>
+        </p:nvPicPr>
+        <p:blipFill>
+          <a:blip r:embed="rId2"/>
+          <a:stretch>
+            <a:fillRect/>
+          </a:stretch>
+        </p:blipFill>
+        <p:spPr>
+          <a:xfrm>
+            <a:off x="3170753" y="4001294"/>
+            <a:ext cx="4760464" cy="2520935"/>
+          </a:xfrm>
+          <a:prstGeom prst="rect">
+            <a:avLst/>
+          </a:prstGeom>
+        </p:spPr>
+      </p:pic>
     </p:spTree>
   </p:cSld>
   <p:clrMapOvr>
